--- a/Document/FinalPRE/FinalPRE.pptx
+++ b/Document/FinalPRE/FinalPRE.pptx
@@ -8322,8 +8322,8 @@
         </p:nvSpPr>
         <p:spPr>
           <a:xfrm>
-            <a:off x="2891357" y="2527941"/>
-            <a:ext cx="5634876" cy="769441"/>
+            <a:off x="3228109" y="2639556"/>
+            <a:ext cx="4493538" cy="646331"/>
           </a:xfrm>
           <a:prstGeom prst="rect">
             <a:avLst/>
@@ -8342,7 +8342,7 @@
           <a:lstStyle/>
           <a:p>
             <a:r>
-              <a:rPr lang="en-US" altLang="zh-CN" sz="4400" b="1" dirty="0" smtClean="0">
+              <a:rPr lang="en-US" altLang="zh-CN" sz="3600" b="1" dirty="0" smtClean="0">
                 <a:solidFill>
                   <a:schemeClr val="accent1"/>
                 </a:solidFill>
@@ -8351,7 +8351,83 @@
               </a:rPr>
               <a:t>10.20.5.2:8000/app</a:t>
             </a:r>
-            <a:endParaRPr lang="en-US" altLang="zh-CN" sz="4400" b="1" dirty="0" smtClean="0">
+            <a:endParaRPr lang="en-US" altLang="zh-CN" sz="3600" b="1" dirty="0" smtClean="0">
+              <a:solidFill>
+                <a:schemeClr val="accent1"/>
+              </a:solidFill>
+              <a:latin typeface="Adobe Garamond Pro Bold" panose="02020702060506020403" pitchFamily="18" charset="0"/>
+            </a:endParaRPr>
+          </a:p>
+        </p:txBody>
+      </p:sp>
+      <p:sp>
+        <p:nvSpPr>
+          <p:cNvPr id="14" name="文本框 13"/>
+          <p:cNvSpPr txBox="1"/>
+          <p:nvPr/>
+        </p:nvSpPr>
+        <p:spPr>
+          <a:xfrm>
+            <a:off x="1434348" y="3588395"/>
+            <a:ext cx="6287299" cy="584775"/>
+          </a:xfrm>
+          <a:prstGeom prst="rect">
+            <a:avLst/>
+          </a:prstGeom>
+          <a:noFill/>
+        </p:spPr>
+        <p:txBody>
+          <a:bodyPr wrap="none" rtlCol="0">
+            <a:spAutoFit/>
+            <a:scene3d>
+              <a:camera prst="orthographicFront"/>
+              <a:lightRig rig="threePt" dir="t"/>
+            </a:scene3d>
+            <a:sp3d contourW="12700"/>
+          </a:bodyPr>
+          <a:lstStyle/>
+          <a:p>
+            <a:r>
+              <a:rPr lang="en-US" altLang="zh-CN" sz="3200" b="1" dirty="0" smtClean="0">
+                <a:solidFill>
+                  <a:schemeClr val="accent1"/>
+                </a:solidFill>
+                <a:latin typeface="Adobe Garamond Pro Bold" panose="02020702060506020403" pitchFamily="18" charset="0"/>
+                <a:hlinkClick r:id="rId5"/>
+              </a:rPr>
+              <a:t>github.com/</a:t>
+            </a:r>
+            <a:r>
+              <a:rPr lang="en-US" altLang="zh-CN" sz="3200" b="1" dirty="0" err="1" smtClean="0">
+                <a:solidFill>
+                  <a:schemeClr val="accent1"/>
+                </a:solidFill>
+                <a:latin typeface="Adobe Garamond Pro Bold" panose="02020702060506020403" pitchFamily="18" charset="0"/>
+                <a:hlinkClick r:id="rId5"/>
+              </a:rPr>
+              <a:t>yippp</a:t>
+            </a:r>
+            <a:r>
+              <a:rPr lang="en-US" altLang="zh-CN" sz="3200" b="1" dirty="0" smtClean="0">
+                <a:solidFill>
+                  <a:schemeClr val="accent1"/>
+                </a:solidFill>
+                <a:latin typeface="Adobe Garamond Pro Bold" panose="02020702060506020403" pitchFamily="18" charset="0"/>
+                <a:hlinkClick r:id="rId5"/>
+              </a:rPr>
+              <a:t>/</a:t>
+            </a:r>
+            <a:r>
+              <a:rPr lang="en-US" altLang="zh-CN" sz="3200" b="1" dirty="0" err="1" smtClean="0">
+                <a:solidFill>
+                  <a:schemeClr val="accent1"/>
+                </a:solidFill>
+                <a:latin typeface="Adobe Garamond Pro Bold" panose="02020702060506020403" pitchFamily="18" charset="0"/>
+                <a:hlinkClick r:id="rId5"/>
+              </a:rPr>
+              <a:t>Musier</a:t>
+            </a:r>
+            <a:endParaRPr lang="en-US" altLang="zh-CN" sz="3200" b="1" dirty="0" smtClean="0">
               <a:solidFill>
                 <a:schemeClr val="accent1"/>
               </a:solidFill>
